--- a/IMAGE manipulation USING QUADTREEES.pptx
+++ b/IMAGE manipulation USING QUADTREEES.pptx
@@ -107,6 +107,11 @@
       </a:defRPr>
     </a:lvl9pPr>
   </p:defaultTextStyle>
+  <p:extLst>
+    <p:ext uri="{EFAFB233-063F-42B5-8137-9DF3F51BA10A}">
+      <p15:sldGuideLst xmlns:p15="http://schemas.microsoft.com/office/powerpoint/2012/main"/>
+    </p:ext>
+  </p:extLst>
 </p:presentation>
 </file>
 
@@ -167,7 +172,7 @@
           <a:noFill/>
           <a:extLst>
             <a:ext uri="{909E8E84-426E-40dd-AFC4-6F175D3DCCD1}">
-              <a14:hiddenFill xmlns:a14="http://schemas.microsoft.com/office/drawing/2010/main" xmlns="">
+              <a14:hiddenFill xmlns="" xmlns:a14="http://schemas.microsoft.com/office/drawing/2010/main">
                 <a:solidFill>
                   <a:srgbClr val="FFFFFF"/>
                 </a:solidFill>
@@ -226,7 +231,7 @@
             </a:ln>
             <a:extLst>
               <a:ext uri="{91240B29-F687-4f45-9708-019B960494DF}">
-                <a14:hiddenLine xmlns:a14="http://schemas.microsoft.com/office/drawing/2010/main" xmlns="" w="9525">
+                <a14:hiddenLine xmlns="" xmlns:a14="http://schemas.microsoft.com/office/drawing/2010/main" w="9525">
                   <a:solidFill>
                     <a:srgbClr val="000000"/>
                   </a:solidFill>
@@ -316,7 +321,7 @@
             </a:ln>
             <a:extLst>
               <a:ext uri="{91240B29-F687-4f45-9708-019B960494DF}">
-                <a14:hiddenLine xmlns:a14="http://schemas.microsoft.com/office/drawing/2010/main" xmlns="" w="9525">
+                <a14:hiddenLine xmlns="" xmlns:a14="http://schemas.microsoft.com/office/drawing/2010/main" w="9525">
                   <a:solidFill>
                     <a:srgbClr val="000000"/>
                   </a:solidFill>
@@ -406,7 +411,7 @@
             </a:ln>
             <a:extLst>
               <a:ext uri="{91240B29-F687-4f45-9708-019B960494DF}">
-                <a14:hiddenLine xmlns:a14="http://schemas.microsoft.com/office/drawing/2010/main" xmlns="" w="9525">
+                <a14:hiddenLine xmlns="" xmlns:a14="http://schemas.microsoft.com/office/drawing/2010/main" w="9525">
                   <a:solidFill>
                     <a:srgbClr val="000000"/>
                   </a:solidFill>
@@ -440,7 +445,7 @@
             </a:ln>
             <a:extLst>
               <a:ext uri="{91240B29-F687-4f45-9708-019B960494DF}">
-                <a14:hiddenLine xmlns:a14="http://schemas.microsoft.com/office/drawing/2010/main" xmlns="" w="9525">
+                <a14:hiddenLine xmlns="" xmlns:a14="http://schemas.microsoft.com/office/drawing/2010/main" w="9525">
                   <a:solidFill>
                     <a:srgbClr val="000000"/>
                   </a:solidFill>
@@ -530,7 +535,7 @@
             </a:ln>
             <a:extLst>
               <a:ext uri="{91240B29-F687-4f45-9708-019B960494DF}">
-                <a14:hiddenLine xmlns:a14="http://schemas.microsoft.com/office/drawing/2010/main" xmlns="" w="9525">
+                <a14:hiddenLine xmlns="" xmlns:a14="http://schemas.microsoft.com/office/drawing/2010/main" w="9525">
                   <a:solidFill>
                     <a:srgbClr val="000000"/>
                   </a:solidFill>
@@ -592,7 +597,7 @@
             </a:ln>
             <a:extLst>
               <a:ext uri="{91240B29-F687-4f45-9708-019B960494DF}">
-                <a14:hiddenLine xmlns:a14="http://schemas.microsoft.com/office/drawing/2010/main" xmlns="" w="9525">
+                <a14:hiddenLine xmlns="" xmlns:a14="http://schemas.microsoft.com/office/drawing/2010/main" w="9525">
                   <a:solidFill>
                     <a:srgbClr val="000000"/>
                   </a:solidFill>
@@ -654,7 +659,7 @@
             </a:ln>
             <a:extLst>
               <a:ext uri="{91240B29-F687-4f45-9708-019B960494DF}">
-                <a14:hiddenLine xmlns:a14="http://schemas.microsoft.com/office/drawing/2010/main" xmlns="" w="9525">
+                <a14:hiddenLine xmlns="" xmlns:a14="http://schemas.microsoft.com/office/drawing/2010/main" w="9525">
                   <a:solidFill>
                     <a:srgbClr val="000000"/>
                   </a:solidFill>
@@ -744,7 +749,7 @@
             </a:ln>
             <a:extLst>
               <a:ext uri="{91240B29-F687-4f45-9708-019B960494DF}">
-                <a14:hiddenLine xmlns:a14="http://schemas.microsoft.com/office/drawing/2010/main" xmlns="" w="9525">
+                <a14:hiddenLine xmlns="" xmlns:a14="http://schemas.microsoft.com/office/drawing/2010/main" w="9525">
                   <a:solidFill>
                     <a:srgbClr val="000000"/>
                   </a:solidFill>
@@ -806,7 +811,7 @@
             </a:ln>
             <a:extLst>
               <a:ext uri="{91240B29-F687-4f45-9708-019B960494DF}">
-                <a14:hiddenLine xmlns:a14="http://schemas.microsoft.com/office/drawing/2010/main" xmlns="" w="9525">
+                <a14:hiddenLine xmlns="" xmlns:a14="http://schemas.microsoft.com/office/drawing/2010/main" w="9525">
                   <a:solidFill>
                     <a:srgbClr val="000000"/>
                   </a:solidFill>
@@ -868,7 +873,7 @@
             </a:ln>
             <a:extLst>
               <a:ext uri="{91240B29-F687-4f45-9708-019B960494DF}">
-                <a14:hiddenLine xmlns:a14="http://schemas.microsoft.com/office/drawing/2010/main" xmlns="" w="9525">
+                <a14:hiddenLine xmlns="" xmlns:a14="http://schemas.microsoft.com/office/drawing/2010/main" w="9525">
                   <a:solidFill>
                     <a:srgbClr val="000000"/>
                   </a:solidFill>
@@ -958,7 +963,7 @@
             </a:ln>
             <a:extLst>
               <a:ext uri="{91240B29-F687-4f45-9708-019B960494DF}">
-                <a14:hiddenLine xmlns:a14="http://schemas.microsoft.com/office/drawing/2010/main" xmlns="" w="9525">
+                <a14:hiddenLine xmlns="" xmlns:a14="http://schemas.microsoft.com/office/drawing/2010/main" w="9525">
                   <a:solidFill>
                     <a:srgbClr val="000000"/>
                   </a:solidFill>
@@ -1048,7 +1053,7 @@
             </a:ln>
             <a:extLst>
               <a:ext uri="{91240B29-F687-4f45-9708-019B960494DF}">
-                <a14:hiddenLine xmlns:a14="http://schemas.microsoft.com/office/drawing/2010/main" xmlns="" w="9525">
+                <a14:hiddenLine xmlns="" xmlns:a14="http://schemas.microsoft.com/office/drawing/2010/main" w="9525">
                   <a:solidFill>
                     <a:srgbClr val="000000"/>
                   </a:solidFill>
@@ -1110,7 +1115,7 @@
             </a:ln>
             <a:extLst>
               <a:ext uri="{91240B29-F687-4f45-9708-019B960494DF}">
-                <a14:hiddenLine xmlns:a14="http://schemas.microsoft.com/office/drawing/2010/main" xmlns="" w="9525">
+                <a14:hiddenLine xmlns="" xmlns:a14="http://schemas.microsoft.com/office/drawing/2010/main" w="9525">
                   <a:solidFill>
                     <a:srgbClr val="000000"/>
                   </a:solidFill>
@@ -1220,7 +1225,7 @@
             </a:ln>
             <a:extLst>
               <a:ext uri="{91240B29-F687-4f45-9708-019B960494DF}">
-                <a14:hiddenLine xmlns:a14="http://schemas.microsoft.com/office/drawing/2010/main" xmlns="" w="9525">
+                <a14:hiddenLine xmlns="" xmlns:a14="http://schemas.microsoft.com/office/drawing/2010/main" w="9525">
                   <a:solidFill>
                     <a:srgbClr val="000000"/>
                   </a:solidFill>
@@ -1282,7 +1287,7 @@
             </a:ln>
             <a:extLst>
               <a:ext uri="{91240B29-F687-4f45-9708-019B960494DF}">
-                <a14:hiddenLine xmlns:a14="http://schemas.microsoft.com/office/drawing/2010/main" xmlns="" w="9525">
+                <a14:hiddenLine xmlns="" xmlns:a14="http://schemas.microsoft.com/office/drawing/2010/main" w="9525">
                   <a:solidFill>
                     <a:srgbClr val="000000"/>
                   </a:solidFill>
@@ -1372,7 +1377,7 @@
             </a:ln>
             <a:extLst>
               <a:ext uri="{91240B29-F687-4f45-9708-019B960494DF}">
-                <a14:hiddenLine xmlns:a14="http://schemas.microsoft.com/office/drawing/2010/main" xmlns="" w="9525">
+                <a14:hiddenLine xmlns="" xmlns:a14="http://schemas.microsoft.com/office/drawing/2010/main" w="9525">
                   <a:solidFill>
                     <a:srgbClr val="000000"/>
                   </a:solidFill>
@@ -1462,7 +1467,7 @@
             </a:ln>
             <a:extLst>
               <a:ext uri="{91240B29-F687-4f45-9708-019B960494DF}">
-                <a14:hiddenLine xmlns:a14="http://schemas.microsoft.com/office/drawing/2010/main" xmlns="" w="9525">
+                <a14:hiddenLine xmlns="" xmlns:a14="http://schemas.microsoft.com/office/drawing/2010/main" w="9525">
                   <a:solidFill>
                     <a:srgbClr val="000000"/>
                   </a:solidFill>
@@ -1524,7 +1529,7 @@
             </a:ln>
             <a:extLst>
               <a:ext uri="{91240B29-F687-4f45-9708-019B960494DF}">
-                <a14:hiddenLine xmlns:a14="http://schemas.microsoft.com/office/drawing/2010/main" xmlns="" w="9525">
+                <a14:hiddenLine xmlns="" xmlns:a14="http://schemas.microsoft.com/office/drawing/2010/main" w="9525">
                   <a:solidFill>
                     <a:srgbClr val="000000"/>
                   </a:solidFill>
@@ -1614,7 +1619,7 @@
             </a:ln>
             <a:extLst>
               <a:ext uri="{91240B29-F687-4f45-9708-019B960494DF}">
-                <a14:hiddenLine xmlns:a14="http://schemas.microsoft.com/office/drawing/2010/main" xmlns="" w="9525">
+                <a14:hiddenLine xmlns="" xmlns:a14="http://schemas.microsoft.com/office/drawing/2010/main" w="9525">
                   <a:solidFill>
                     <a:srgbClr val="000000"/>
                   </a:solidFill>
@@ -1704,7 +1709,7 @@
             </a:ln>
             <a:extLst>
               <a:ext uri="{91240B29-F687-4f45-9708-019B960494DF}">
-                <a14:hiddenLine xmlns:a14="http://schemas.microsoft.com/office/drawing/2010/main" xmlns="" w="9525">
+                <a14:hiddenLine xmlns="" xmlns:a14="http://schemas.microsoft.com/office/drawing/2010/main" w="9525">
                   <a:solidFill>
                     <a:srgbClr val="000000"/>
                   </a:solidFill>
@@ -1760,7 +1765,7 @@
             </a:ln>
             <a:extLst>
               <a:ext uri="{91240B29-F687-4f45-9708-019B960494DF}">
-                <a14:hiddenLine xmlns:a14="http://schemas.microsoft.com/office/drawing/2010/main" xmlns="" w="9525">
+                <a14:hiddenLine xmlns="" xmlns:a14="http://schemas.microsoft.com/office/drawing/2010/main" w="9525">
                   <a:solidFill>
                     <a:srgbClr val="000000"/>
                   </a:solidFill>
@@ -1850,7 +1855,7 @@
             </a:ln>
             <a:extLst>
               <a:ext uri="{91240B29-F687-4f45-9708-019B960494DF}">
-                <a14:hiddenLine xmlns:a14="http://schemas.microsoft.com/office/drawing/2010/main" xmlns="" w="9525">
+                <a14:hiddenLine xmlns="" xmlns:a14="http://schemas.microsoft.com/office/drawing/2010/main" w="9525">
                   <a:solidFill>
                     <a:srgbClr val="000000"/>
                   </a:solidFill>
@@ -1906,7 +1911,7 @@
             </a:ln>
             <a:extLst>
               <a:ext uri="{91240B29-F687-4f45-9708-019B960494DF}">
-                <a14:hiddenLine xmlns:a14="http://schemas.microsoft.com/office/drawing/2010/main" xmlns="" w="9525">
+                <a14:hiddenLine xmlns="" xmlns:a14="http://schemas.microsoft.com/office/drawing/2010/main" w="9525">
                   <a:solidFill>
                     <a:srgbClr val="000000"/>
                   </a:solidFill>
@@ -1996,7 +2001,7 @@
             </a:ln>
             <a:extLst>
               <a:ext uri="{91240B29-F687-4f45-9708-019B960494DF}">
-                <a14:hiddenLine xmlns:a14="http://schemas.microsoft.com/office/drawing/2010/main" xmlns="" w="9525">
+                <a14:hiddenLine xmlns="" xmlns:a14="http://schemas.microsoft.com/office/drawing/2010/main" w="9525">
                   <a:solidFill>
                     <a:srgbClr val="000000"/>
                   </a:solidFill>
@@ -2064,7 +2069,7 @@
             </a:ln>
             <a:extLst>
               <a:ext uri="{91240B29-F687-4f45-9708-019B960494DF}">
-                <a14:hiddenLine xmlns:a14="http://schemas.microsoft.com/office/drawing/2010/main" xmlns="" w="9525">
+                <a14:hiddenLine xmlns="" xmlns:a14="http://schemas.microsoft.com/office/drawing/2010/main" w="9525">
                   <a:solidFill>
                     <a:srgbClr val="000000"/>
                   </a:solidFill>
@@ -2154,7 +2159,7 @@
             </a:ln>
             <a:extLst>
               <a:ext uri="{91240B29-F687-4f45-9708-019B960494DF}">
-                <a14:hiddenLine xmlns:a14="http://schemas.microsoft.com/office/drawing/2010/main" xmlns="" w="9525">
+                <a14:hiddenLine xmlns="" xmlns:a14="http://schemas.microsoft.com/office/drawing/2010/main" w="9525">
                   <a:solidFill>
                     <a:srgbClr val="000000"/>
                   </a:solidFill>
@@ -2222,7 +2227,7 @@
             </a:ln>
             <a:extLst>
               <a:ext uri="{91240B29-F687-4f45-9708-019B960494DF}">
-                <a14:hiddenLine xmlns:a14="http://schemas.microsoft.com/office/drawing/2010/main" xmlns="" w="9525">
+                <a14:hiddenLine xmlns="" xmlns:a14="http://schemas.microsoft.com/office/drawing/2010/main" w="9525">
                   <a:solidFill>
                     <a:srgbClr val="000000"/>
                   </a:solidFill>
@@ -2312,7 +2317,7 @@
             </a:ln>
             <a:extLst>
               <a:ext uri="{91240B29-F687-4f45-9708-019B960494DF}">
-                <a14:hiddenLine xmlns:a14="http://schemas.microsoft.com/office/drawing/2010/main" xmlns="" w="9525">
+                <a14:hiddenLine xmlns="" xmlns:a14="http://schemas.microsoft.com/office/drawing/2010/main" w="9525">
                   <a:solidFill>
                     <a:srgbClr val="000000"/>
                   </a:solidFill>
@@ -2346,7 +2351,7 @@
             </a:ln>
             <a:extLst>
               <a:ext uri="{91240B29-F687-4f45-9708-019B960494DF}">
-                <a14:hiddenLine xmlns:a14="http://schemas.microsoft.com/office/drawing/2010/main" xmlns="" w="9525">
+                <a14:hiddenLine xmlns="" xmlns:a14="http://schemas.microsoft.com/office/drawing/2010/main" w="9525">
                   <a:solidFill>
                     <a:srgbClr val="000000"/>
                   </a:solidFill>
@@ -2436,7 +2441,7 @@
             </a:ln>
             <a:extLst>
               <a:ext uri="{91240B29-F687-4f45-9708-019B960494DF}">
-                <a14:hiddenLine xmlns:a14="http://schemas.microsoft.com/office/drawing/2010/main" xmlns="" w="9525">
+                <a14:hiddenLine xmlns="" xmlns:a14="http://schemas.microsoft.com/office/drawing/2010/main" w="9525">
                   <a:solidFill>
                     <a:srgbClr val="000000"/>
                   </a:solidFill>
@@ -2498,7 +2503,7 @@
             </a:ln>
             <a:extLst>
               <a:ext uri="{91240B29-F687-4f45-9708-019B960494DF}">
-                <a14:hiddenLine xmlns:a14="http://schemas.microsoft.com/office/drawing/2010/main" xmlns="" w="9525">
+                <a14:hiddenLine xmlns="" xmlns:a14="http://schemas.microsoft.com/office/drawing/2010/main" w="9525">
                   <a:solidFill>
                     <a:srgbClr val="000000"/>
                   </a:solidFill>
@@ -2560,7 +2565,7 @@
             </a:ln>
             <a:extLst>
               <a:ext uri="{91240B29-F687-4f45-9708-019B960494DF}">
-                <a14:hiddenLine xmlns:a14="http://schemas.microsoft.com/office/drawing/2010/main" xmlns="" w="9525">
+                <a14:hiddenLine xmlns="" xmlns:a14="http://schemas.microsoft.com/office/drawing/2010/main" w="9525">
                   <a:solidFill>
                     <a:srgbClr val="000000"/>
                   </a:solidFill>
@@ -2650,7 +2655,7 @@
             </a:ln>
             <a:extLst>
               <a:ext uri="{91240B29-F687-4f45-9708-019B960494DF}">
-                <a14:hiddenLine xmlns:a14="http://schemas.microsoft.com/office/drawing/2010/main" xmlns="" w="9525">
+                <a14:hiddenLine xmlns="" xmlns:a14="http://schemas.microsoft.com/office/drawing/2010/main" w="9525">
                   <a:solidFill>
                     <a:srgbClr val="000000"/>
                   </a:solidFill>
@@ -2718,7 +2723,7 @@
             </a:ln>
             <a:extLst>
               <a:ext uri="{91240B29-F687-4f45-9708-019B960494DF}">
-                <a14:hiddenLine xmlns:a14="http://schemas.microsoft.com/office/drawing/2010/main" xmlns="" w="9525">
+                <a14:hiddenLine xmlns="" xmlns:a14="http://schemas.microsoft.com/office/drawing/2010/main" w="9525">
                   <a:solidFill>
                     <a:srgbClr val="000000"/>
                   </a:solidFill>
@@ -2780,7 +2785,7 @@
             </a:ln>
             <a:extLst>
               <a:ext uri="{91240B29-F687-4f45-9708-019B960494DF}">
-                <a14:hiddenLine xmlns:a14="http://schemas.microsoft.com/office/drawing/2010/main" xmlns="" w="9525">
+                <a14:hiddenLine xmlns="" xmlns:a14="http://schemas.microsoft.com/office/drawing/2010/main" w="9525">
                   <a:solidFill>
                     <a:srgbClr val="000000"/>
                   </a:solidFill>
@@ -2870,7 +2875,7 @@
             </a:ln>
             <a:extLst>
               <a:ext uri="{91240B29-F687-4f45-9708-019B960494DF}">
-                <a14:hiddenLine xmlns:a14="http://schemas.microsoft.com/office/drawing/2010/main" xmlns="" w="9525">
+                <a14:hiddenLine xmlns="" xmlns:a14="http://schemas.microsoft.com/office/drawing/2010/main" w="9525">
                   <a:solidFill>
                     <a:srgbClr val="000000"/>
                   </a:solidFill>
@@ -2932,7 +2937,7 @@
             </a:ln>
             <a:extLst>
               <a:ext uri="{91240B29-F687-4f45-9708-019B960494DF}">
-                <a14:hiddenLine xmlns:a14="http://schemas.microsoft.com/office/drawing/2010/main" xmlns="" w="9525">
+                <a14:hiddenLine xmlns="" xmlns:a14="http://schemas.microsoft.com/office/drawing/2010/main" w="9525">
                   <a:solidFill>
                     <a:srgbClr val="000000"/>
                   </a:solidFill>
@@ -3022,7 +3027,7 @@
             </a:ln>
             <a:extLst>
               <a:ext uri="{91240B29-F687-4f45-9708-019B960494DF}">
-                <a14:hiddenLine xmlns:a14="http://schemas.microsoft.com/office/drawing/2010/main" xmlns="" w="9525">
+                <a14:hiddenLine xmlns="" xmlns:a14="http://schemas.microsoft.com/office/drawing/2010/main" w="9525">
                   <a:solidFill>
                     <a:srgbClr val="000000"/>
                   </a:solidFill>
@@ -3084,7 +3089,7 @@
             </a:ln>
             <a:extLst>
               <a:ext uri="{91240B29-F687-4f45-9708-019B960494DF}">
-                <a14:hiddenLine xmlns:a14="http://schemas.microsoft.com/office/drawing/2010/main" xmlns="" w="9525">
+                <a14:hiddenLine xmlns="" xmlns:a14="http://schemas.microsoft.com/office/drawing/2010/main" w="9525">
                   <a:solidFill>
                     <a:srgbClr val="000000"/>
                   </a:solidFill>
@@ -3174,7 +3179,7 @@
             </a:ln>
             <a:extLst>
               <a:ext uri="{91240B29-F687-4f45-9708-019B960494DF}">
-                <a14:hiddenLine xmlns:a14="http://schemas.microsoft.com/office/drawing/2010/main" xmlns="" w="9525">
+                <a14:hiddenLine xmlns="" xmlns:a14="http://schemas.microsoft.com/office/drawing/2010/main" w="9525">
                   <a:solidFill>
                     <a:srgbClr val="000000"/>
                   </a:solidFill>
@@ -3208,7 +3213,7 @@
             </a:ln>
             <a:extLst>
               <a:ext uri="{91240B29-F687-4f45-9708-019B960494DF}">
-                <a14:hiddenLine xmlns:a14="http://schemas.microsoft.com/office/drawing/2010/main" xmlns="" w="9525">
+                <a14:hiddenLine xmlns="" xmlns:a14="http://schemas.microsoft.com/office/drawing/2010/main" w="9525">
                   <a:solidFill>
                     <a:srgbClr val="000000"/>
                   </a:solidFill>
@@ -3273,7 +3278,7 @@
             </a:ln>
             <a:extLst>
               <a:ext uri="{91240B29-F687-4f45-9708-019B960494DF}">
-                <a14:hiddenLine xmlns:a14="http://schemas.microsoft.com/office/drawing/2010/main" xmlns="" w="9525">
+                <a14:hiddenLine xmlns="" xmlns:a14="http://schemas.microsoft.com/office/drawing/2010/main" w="9525">
                   <a:solidFill>
                     <a:srgbClr val="000000"/>
                   </a:solidFill>
@@ -3363,7 +3368,7 @@
             </a:ln>
             <a:extLst>
               <a:ext uri="{91240B29-F687-4f45-9708-019B960494DF}">
-                <a14:hiddenLine xmlns:a14="http://schemas.microsoft.com/office/drawing/2010/main" xmlns="" w="9525">
+                <a14:hiddenLine xmlns="" xmlns:a14="http://schemas.microsoft.com/office/drawing/2010/main" w="9525">
                   <a:solidFill>
                     <a:srgbClr val="000000"/>
                   </a:solidFill>
@@ -3425,7 +3430,7 @@
             </a:ln>
             <a:extLst>
               <a:ext uri="{91240B29-F687-4f45-9708-019B960494DF}">
-                <a14:hiddenLine xmlns:a14="http://schemas.microsoft.com/office/drawing/2010/main" xmlns="" w="9525">
+                <a14:hiddenLine xmlns="" xmlns:a14="http://schemas.microsoft.com/office/drawing/2010/main" w="9525">
                   <a:solidFill>
                     <a:srgbClr val="000000"/>
                   </a:solidFill>
@@ -3515,7 +3520,7 @@
             </a:ln>
             <a:extLst>
               <a:ext uri="{91240B29-F687-4f45-9708-019B960494DF}">
-                <a14:hiddenLine xmlns:a14="http://schemas.microsoft.com/office/drawing/2010/main" xmlns="" w="9525">
+                <a14:hiddenLine xmlns="" xmlns:a14="http://schemas.microsoft.com/office/drawing/2010/main" w="9525">
                   <a:solidFill>
                     <a:srgbClr val="000000"/>
                   </a:solidFill>
@@ -3605,7 +3610,7 @@
             </a:ln>
             <a:extLst>
               <a:ext uri="{91240B29-F687-4f45-9708-019B960494DF}">
-                <a14:hiddenLine xmlns:a14="http://schemas.microsoft.com/office/drawing/2010/main" xmlns="" w="9525">
+                <a14:hiddenLine xmlns="" xmlns:a14="http://schemas.microsoft.com/office/drawing/2010/main" w="9525">
                   <a:solidFill>
                     <a:srgbClr val="000000"/>
                   </a:solidFill>
@@ -3670,7 +3675,7 @@
             </a:ln>
             <a:extLst>
               <a:ext uri="{91240B29-F687-4f45-9708-019B960494DF}">
-                <a14:hiddenLine xmlns:a14="http://schemas.microsoft.com/office/drawing/2010/main" xmlns="" w="9525">
+                <a14:hiddenLine xmlns="" xmlns:a14="http://schemas.microsoft.com/office/drawing/2010/main" w="9525">
                   <a:solidFill>
                     <a:srgbClr val="000000"/>
                   </a:solidFill>
@@ -3732,7 +3737,7 @@
             </a:ln>
             <a:extLst>
               <a:ext uri="{91240B29-F687-4f45-9708-019B960494DF}">
-                <a14:hiddenLine xmlns:a14="http://schemas.microsoft.com/office/drawing/2010/main" xmlns="" w="9525">
+                <a14:hiddenLine xmlns="" xmlns:a14="http://schemas.microsoft.com/office/drawing/2010/main" w="9525">
                   <a:solidFill>
                     <a:srgbClr val="000000"/>
                   </a:solidFill>
@@ -3822,7 +3827,7 @@
             </a:ln>
             <a:extLst>
               <a:ext uri="{91240B29-F687-4f45-9708-019B960494DF}">
-                <a14:hiddenLine xmlns:a14="http://schemas.microsoft.com/office/drawing/2010/main" xmlns="" w="9525">
+                <a14:hiddenLine xmlns="" xmlns:a14="http://schemas.microsoft.com/office/drawing/2010/main" w="9525">
                   <a:solidFill>
                     <a:srgbClr val="000000"/>
                   </a:solidFill>
@@ -3912,7 +3917,7 @@
             </a:ln>
             <a:extLst>
               <a:ext uri="{91240B29-F687-4f45-9708-019B960494DF}">
-                <a14:hiddenLine xmlns:a14="http://schemas.microsoft.com/office/drawing/2010/main" xmlns="" w="9525">
+                <a14:hiddenLine xmlns="" xmlns:a14="http://schemas.microsoft.com/office/drawing/2010/main" w="9525">
                   <a:solidFill>
                     <a:srgbClr val="000000"/>
                   </a:solidFill>
@@ -3974,7 +3979,7 @@
             </a:ln>
             <a:extLst>
               <a:ext uri="{91240B29-F687-4f45-9708-019B960494DF}">
-                <a14:hiddenLine xmlns:a14="http://schemas.microsoft.com/office/drawing/2010/main" xmlns="" w="9525">
+                <a14:hiddenLine xmlns="" xmlns:a14="http://schemas.microsoft.com/office/drawing/2010/main" w="9525">
                   <a:solidFill>
                     <a:srgbClr val="000000"/>
                   </a:solidFill>
@@ -4094,7 +4099,7 @@
             </a:ln>
             <a:extLst>
               <a:ext uri="{91240B29-F687-4f45-9708-019B960494DF}">
-                <a14:hiddenLine xmlns:a14="http://schemas.microsoft.com/office/drawing/2010/main" xmlns="" w="9525">
+                <a14:hiddenLine xmlns="" xmlns:a14="http://schemas.microsoft.com/office/drawing/2010/main" w="9525">
                   <a:solidFill>
                     <a:srgbClr val="000000"/>
                   </a:solidFill>
@@ -4162,7 +4167,7 @@
             </a:ln>
             <a:extLst>
               <a:ext uri="{91240B29-F687-4f45-9708-019B960494DF}">
-                <a14:hiddenLine xmlns:a14="http://schemas.microsoft.com/office/drawing/2010/main" xmlns="" w="9525">
+                <a14:hiddenLine xmlns="" xmlns:a14="http://schemas.microsoft.com/office/drawing/2010/main" w="9525">
                   <a:solidFill>
                     <a:srgbClr val="000000"/>
                   </a:solidFill>
@@ -4252,7 +4257,7 @@
             </a:ln>
             <a:extLst>
               <a:ext uri="{91240B29-F687-4f45-9708-019B960494DF}">
-                <a14:hiddenLine xmlns:a14="http://schemas.microsoft.com/office/drawing/2010/main" xmlns="" w="9525">
+                <a14:hiddenLine xmlns="" xmlns:a14="http://schemas.microsoft.com/office/drawing/2010/main" w="9525">
                   <a:solidFill>
                     <a:srgbClr val="000000"/>
                   </a:solidFill>
@@ -9066,7 +9071,7 @@
           <a:noFill/>
           <a:extLst>
             <a:ext uri="{909E8E84-426E-40dd-AFC4-6F175D3DCCD1}">
-              <a14:hiddenFill xmlns:a14="http://schemas.microsoft.com/office/drawing/2010/main" xmlns="">
+              <a14:hiddenFill xmlns="" xmlns:a14="http://schemas.microsoft.com/office/drawing/2010/main">
                 <a:solidFill>
                   <a:srgbClr val="FFFFFF"/>
                 </a:solidFill>
@@ -9140,7 +9145,7 @@
               </a:ln>
               <a:extLst>
                 <a:ext uri="{91240B29-F687-4f45-9708-019B960494DF}">
-                  <a14:hiddenLine xmlns:a14="http://schemas.microsoft.com/office/drawing/2010/main" xmlns="" w="9525">
+                  <a14:hiddenLine xmlns="" xmlns:a14="http://schemas.microsoft.com/office/drawing/2010/main" w="9525">
                     <a:solidFill>
                       <a:srgbClr val="000000"/>
                     </a:solidFill>
@@ -9230,7 +9235,7 @@
               </a:ln>
               <a:extLst>
                 <a:ext uri="{91240B29-F687-4f45-9708-019B960494DF}">
-                  <a14:hiddenLine xmlns:a14="http://schemas.microsoft.com/office/drawing/2010/main" xmlns="" w="9525">
+                  <a14:hiddenLine xmlns="" xmlns:a14="http://schemas.microsoft.com/office/drawing/2010/main" w="9525">
                     <a:solidFill>
                       <a:srgbClr val="000000"/>
                     </a:solidFill>
@@ -9320,7 +9325,7 @@
               </a:ln>
               <a:extLst>
                 <a:ext uri="{91240B29-F687-4f45-9708-019B960494DF}">
-                  <a14:hiddenLine xmlns:a14="http://schemas.microsoft.com/office/drawing/2010/main" xmlns="" w="9525">
+                  <a14:hiddenLine xmlns="" xmlns:a14="http://schemas.microsoft.com/office/drawing/2010/main" w="9525">
                     <a:solidFill>
                       <a:srgbClr val="000000"/>
                     </a:solidFill>
@@ -9382,7 +9387,7 @@
               </a:ln>
               <a:extLst>
                 <a:ext uri="{91240B29-F687-4f45-9708-019B960494DF}">
-                  <a14:hiddenLine xmlns:a14="http://schemas.microsoft.com/office/drawing/2010/main" xmlns="" w="9525">
+                  <a14:hiddenLine xmlns="" xmlns:a14="http://schemas.microsoft.com/office/drawing/2010/main" w="9525">
                     <a:solidFill>
                       <a:srgbClr val="000000"/>
                     </a:solidFill>
@@ -9472,7 +9477,7 @@
               </a:ln>
               <a:extLst>
                 <a:ext uri="{91240B29-F687-4f45-9708-019B960494DF}">
-                  <a14:hiddenLine xmlns:a14="http://schemas.microsoft.com/office/drawing/2010/main" xmlns="" w="9525">
+                  <a14:hiddenLine xmlns="" xmlns:a14="http://schemas.microsoft.com/office/drawing/2010/main" w="9525">
                     <a:solidFill>
                       <a:srgbClr val="000000"/>
                     </a:solidFill>
@@ -9534,7 +9539,7 @@
               </a:ln>
               <a:extLst>
                 <a:ext uri="{91240B29-F687-4f45-9708-019B960494DF}">
-                  <a14:hiddenLine xmlns:a14="http://schemas.microsoft.com/office/drawing/2010/main" xmlns="" w="9525">
+                  <a14:hiddenLine xmlns="" xmlns:a14="http://schemas.microsoft.com/office/drawing/2010/main" w="9525">
                     <a:solidFill>
                       <a:srgbClr val="000000"/>
                     </a:solidFill>
@@ -9596,7 +9601,7 @@
               </a:ln>
               <a:extLst>
                 <a:ext uri="{91240B29-F687-4f45-9708-019B960494DF}">
-                  <a14:hiddenLine xmlns:a14="http://schemas.microsoft.com/office/drawing/2010/main" xmlns="" w="9525">
+                  <a14:hiddenLine xmlns="" xmlns:a14="http://schemas.microsoft.com/office/drawing/2010/main" w="9525">
                     <a:solidFill>
                       <a:srgbClr val="000000"/>
                     </a:solidFill>
@@ -9686,7 +9691,7 @@
               </a:ln>
               <a:extLst>
                 <a:ext uri="{91240B29-F687-4f45-9708-019B960494DF}">
-                  <a14:hiddenLine xmlns:a14="http://schemas.microsoft.com/office/drawing/2010/main" xmlns="" w="9525">
+                  <a14:hiddenLine xmlns="" xmlns:a14="http://schemas.microsoft.com/office/drawing/2010/main" w="9525">
                     <a:solidFill>
                       <a:srgbClr val="000000"/>
                     </a:solidFill>
@@ -9776,7 +9781,7 @@
               </a:ln>
               <a:extLst>
                 <a:ext uri="{91240B29-F687-4f45-9708-019B960494DF}">
-                  <a14:hiddenLine xmlns:a14="http://schemas.microsoft.com/office/drawing/2010/main" xmlns="" w="9525">
+                  <a14:hiddenLine xmlns="" xmlns:a14="http://schemas.microsoft.com/office/drawing/2010/main" w="9525">
                     <a:solidFill>
                       <a:srgbClr val="000000"/>
                     </a:solidFill>
@@ -9838,7 +9843,7 @@
               </a:ln>
               <a:extLst>
                 <a:ext uri="{91240B29-F687-4f45-9708-019B960494DF}">
-                  <a14:hiddenLine xmlns:a14="http://schemas.microsoft.com/office/drawing/2010/main" xmlns="" w="9525">
+                  <a14:hiddenLine xmlns="" xmlns:a14="http://schemas.microsoft.com/office/drawing/2010/main" w="9525">
                     <a:solidFill>
                       <a:srgbClr val="000000"/>
                     </a:solidFill>
@@ -9948,7 +9953,7 @@
               </a:ln>
               <a:extLst>
                 <a:ext uri="{91240B29-F687-4f45-9708-019B960494DF}">
-                  <a14:hiddenLine xmlns:a14="http://schemas.microsoft.com/office/drawing/2010/main" xmlns="" w="9525">
+                  <a14:hiddenLine xmlns="" xmlns:a14="http://schemas.microsoft.com/office/drawing/2010/main" w="9525">
                     <a:solidFill>
                       <a:srgbClr val="000000"/>
                     </a:solidFill>
@@ -10032,7 +10037,7 @@
               </a:ln>
               <a:extLst>
                 <a:ext uri="{91240B29-F687-4f45-9708-019B960494DF}">
-                  <a14:hiddenLine xmlns:a14="http://schemas.microsoft.com/office/drawing/2010/main" xmlns="" w="9525">
+                  <a14:hiddenLine xmlns="" xmlns:a14="http://schemas.microsoft.com/office/drawing/2010/main" w="9525">
                     <a:solidFill>
                       <a:srgbClr val="000000"/>
                     </a:solidFill>
@@ -10094,7 +10099,7 @@
               </a:ln>
               <a:extLst>
                 <a:ext uri="{91240B29-F687-4f45-9708-019B960494DF}">
-                  <a14:hiddenLine xmlns:a14="http://schemas.microsoft.com/office/drawing/2010/main" xmlns="" w="9525">
+                  <a14:hiddenLine xmlns="" xmlns:a14="http://schemas.microsoft.com/office/drawing/2010/main" w="9525">
                     <a:solidFill>
                       <a:srgbClr val="000000"/>
                     </a:solidFill>
@@ -10156,7 +10161,7 @@
               </a:ln>
               <a:extLst>
                 <a:ext uri="{91240B29-F687-4f45-9708-019B960494DF}">
-                  <a14:hiddenLine xmlns:a14="http://schemas.microsoft.com/office/drawing/2010/main" xmlns="" w="9525">
+                  <a14:hiddenLine xmlns="" xmlns:a14="http://schemas.microsoft.com/office/drawing/2010/main" w="9525">
                     <a:solidFill>
                       <a:srgbClr val="000000"/>
                     </a:solidFill>
@@ -10246,7 +10251,7 @@
               </a:ln>
               <a:extLst>
                 <a:ext uri="{91240B29-F687-4f45-9708-019B960494DF}">
-                  <a14:hiddenLine xmlns:a14="http://schemas.microsoft.com/office/drawing/2010/main" xmlns="" w="9525">
+                  <a14:hiddenLine xmlns="" xmlns:a14="http://schemas.microsoft.com/office/drawing/2010/main" w="9525">
                     <a:solidFill>
                       <a:srgbClr val="000000"/>
                     </a:solidFill>
@@ -10280,7 +10285,7 @@
               </a:ln>
               <a:extLst>
                 <a:ext uri="{91240B29-F687-4f45-9708-019B960494DF}">
-                  <a14:hiddenLine xmlns:a14="http://schemas.microsoft.com/office/drawing/2010/main" xmlns="" w="9525">
+                  <a14:hiddenLine xmlns="" xmlns:a14="http://schemas.microsoft.com/office/drawing/2010/main" w="9525">
                     <a:solidFill>
                       <a:srgbClr val="000000"/>
                     </a:solidFill>
@@ -10345,7 +10350,7 @@
               </a:ln>
               <a:extLst>
                 <a:ext uri="{91240B29-F687-4f45-9708-019B960494DF}">
-                  <a14:hiddenLine xmlns:a14="http://schemas.microsoft.com/office/drawing/2010/main" xmlns="" w="9525">
+                  <a14:hiddenLine xmlns="" xmlns:a14="http://schemas.microsoft.com/office/drawing/2010/main" w="9525">
                     <a:solidFill>
                       <a:srgbClr val="000000"/>
                     </a:solidFill>
@@ -10435,7 +10440,7 @@
               </a:ln>
               <a:extLst>
                 <a:ext uri="{91240B29-F687-4f45-9708-019B960494DF}">
-                  <a14:hiddenLine xmlns:a14="http://schemas.microsoft.com/office/drawing/2010/main" xmlns="" w="9525">
+                  <a14:hiddenLine xmlns="" xmlns:a14="http://schemas.microsoft.com/office/drawing/2010/main" w="9525">
                     <a:solidFill>
                       <a:srgbClr val="000000"/>
                     </a:solidFill>
@@ -10497,7 +10502,7 @@
               </a:ln>
               <a:extLst>
                 <a:ext uri="{91240B29-F687-4f45-9708-019B960494DF}">
-                  <a14:hiddenLine xmlns:a14="http://schemas.microsoft.com/office/drawing/2010/main" xmlns="" w="9525">
+                  <a14:hiddenLine xmlns="" xmlns:a14="http://schemas.microsoft.com/office/drawing/2010/main" w="9525">
                     <a:solidFill>
                       <a:srgbClr val="000000"/>
                     </a:solidFill>
@@ -10587,7 +10592,7 @@
               </a:ln>
               <a:extLst>
                 <a:ext uri="{91240B29-F687-4f45-9708-019B960494DF}">
-                  <a14:hiddenLine xmlns:a14="http://schemas.microsoft.com/office/drawing/2010/main" xmlns="" w="9525">
+                  <a14:hiddenLine xmlns="" xmlns:a14="http://schemas.microsoft.com/office/drawing/2010/main" w="9525">
                     <a:solidFill>
                       <a:srgbClr val="000000"/>
                     </a:solidFill>
@@ -10652,7 +10657,7 @@
               </a:ln>
               <a:extLst>
                 <a:ext uri="{91240B29-F687-4f45-9708-019B960494DF}">
-                  <a14:hiddenLine xmlns:a14="http://schemas.microsoft.com/office/drawing/2010/main" xmlns="" w="9525">
+                  <a14:hiddenLine xmlns="" xmlns:a14="http://schemas.microsoft.com/office/drawing/2010/main" w="9525">
                     <a:solidFill>
                       <a:srgbClr val="000000"/>
                     </a:solidFill>
@@ -10714,7 +10719,7 @@
               </a:ln>
               <a:extLst>
                 <a:ext uri="{91240B29-F687-4f45-9708-019B960494DF}">
-                  <a14:hiddenLine xmlns:a14="http://schemas.microsoft.com/office/drawing/2010/main" xmlns="" w="9525">
+                  <a14:hiddenLine xmlns="" xmlns:a14="http://schemas.microsoft.com/office/drawing/2010/main" w="9525">
                     <a:solidFill>
                       <a:srgbClr val="000000"/>
                     </a:solidFill>
@@ -10804,7 +10809,7 @@
               </a:ln>
               <a:extLst>
                 <a:ext uri="{91240B29-F687-4f45-9708-019B960494DF}">
-                  <a14:hiddenLine xmlns:a14="http://schemas.microsoft.com/office/drawing/2010/main" xmlns="" w="9525">
+                  <a14:hiddenLine xmlns="" xmlns:a14="http://schemas.microsoft.com/office/drawing/2010/main" w="9525">
                     <a:solidFill>
                       <a:srgbClr val="000000"/>
                     </a:solidFill>
@@ -10894,7 +10899,7 @@
               </a:ln>
               <a:extLst>
                 <a:ext uri="{91240B29-F687-4f45-9708-019B960494DF}">
-                  <a14:hiddenLine xmlns:a14="http://schemas.microsoft.com/office/drawing/2010/main" xmlns="" w="9525">
+                  <a14:hiddenLine xmlns="" xmlns:a14="http://schemas.microsoft.com/office/drawing/2010/main" w="9525">
                     <a:solidFill>
                       <a:srgbClr val="000000"/>
                     </a:solidFill>
@@ -10959,7 +10964,7 @@
               </a:ln>
               <a:extLst>
                 <a:ext uri="{91240B29-F687-4f45-9708-019B960494DF}">
-                  <a14:hiddenLine xmlns:a14="http://schemas.microsoft.com/office/drawing/2010/main" xmlns="" w="9525">
+                  <a14:hiddenLine xmlns="" xmlns:a14="http://schemas.microsoft.com/office/drawing/2010/main" w="9525">
                     <a:solidFill>
                       <a:srgbClr val="000000"/>
                     </a:solidFill>
@@ -11079,7 +11084,7 @@
               </a:ln>
               <a:extLst>
                 <a:ext uri="{91240B29-F687-4f45-9708-019B960494DF}">
-                  <a14:hiddenLine xmlns:a14="http://schemas.microsoft.com/office/drawing/2010/main" xmlns="" w="9525">
+                  <a14:hiddenLine xmlns="" xmlns:a14="http://schemas.microsoft.com/office/drawing/2010/main" w="9525">
                     <a:solidFill>
                       <a:srgbClr val="000000"/>
                     </a:solidFill>
@@ -11160,7 +11165,7 @@
               </a:ln>
               <a:extLst>
                 <a:ext uri="{91240B29-F687-4f45-9708-019B960494DF}">
-                  <a14:hiddenLine xmlns:a14="http://schemas.microsoft.com/office/drawing/2010/main" xmlns="" w="9525">
+                  <a14:hiddenLine xmlns="" xmlns:a14="http://schemas.microsoft.com/office/drawing/2010/main" w="9525">
                     <a:solidFill>
                       <a:srgbClr val="000000"/>
                     </a:solidFill>
@@ -11275,7 +11280,7 @@
               </a:ln>
               <a:extLst>
                 <a:ext uri="{91240B29-F687-4f45-9708-019B960494DF}">
-                  <a14:hiddenLine xmlns:a14="http://schemas.microsoft.com/office/drawing/2010/main" xmlns="" w="9525">
+                  <a14:hiddenLine xmlns="" xmlns:a14="http://schemas.microsoft.com/office/drawing/2010/main" w="9525">
                     <a:solidFill>
                       <a:srgbClr val="000000"/>
                     </a:solidFill>
@@ -11365,7 +11370,7 @@
               </a:ln>
               <a:extLst>
                 <a:ext uri="{91240B29-F687-4f45-9708-019B960494DF}">
-                  <a14:hiddenLine xmlns:a14="http://schemas.microsoft.com/office/drawing/2010/main" xmlns="" w="9525">
+                  <a14:hiddenLine xmlns="" xmlns:a14="http://schemas.microsoft.com/office/drawing/2010/main" w="9525">
                     <a:solidFill>
                       <a:srgbClr val="000000"/>
                     </a:solidFill>
@@ -11430,7 +11435,7 @@
               </a:ln>
               <a:extLst>
                 <a:ext uri="{91240B29-F687-4f45-9708-019B960494DF}">
-                  <a14:hiddenLine xmlns:a14="http://schemas.microsoft.com/office/drawing/2010/main" xmlns="" w="9525">
+                  <a14:hiddenLine xmlns="" xmlns:a14="http://schemas.microsoft.com/office/drawing/2010/main" w="9525">
                     <a:solidFill>
                       <a:srgbClr val="000000"/>
                     </a:solidFill>
@@ -11520,7 +11525,7 @@
               </a:ln>
               <a:extLst>
                 <a:ext uri="{91240B29-F687-4f45-9708-019B960494DF}">
-                  <a14:hiddenLine xmlns:a14="http://schemas.microsoft.com/office/drawing/2010/main" xmlns="" w="9525">
+                  <a14:hiddenLine xmlns="" xmlns:a14="http://schemas.microsoft.com/office/drawing/2010/main" w="9525">
                     <a:solidFill>
                       <a:srgbClr val="000000"/>
                     </a:solidFill>
@@ -11588,7 +11593,7 @@
               </a:ln>
               <a:extLst>
                 <a:ext uri="{91240B29-F687-4f45-9708-019B960494DF}">
-                  <a14:hiddenLine xmlns:a14="http://schemas.microsoft.com/office/drawing/2010/main" xmlns="" w="9525">
+                  <a14:hiddenLine xmlns="" xmlns:a14="http://schemas.microsoft.com/office/drawing/2010/main" w="9525">
                     <a:solidFill>
                       <a:srgbClr val="000000"/>
                     </a:solidFill>
@@ -11678,7 +11683,7 @@
               </a:ln>
               <a:extLst>
                 <a:ext uri="{91240B29-F687-4f45-9708-019B960494DF}">
-                  <a14:hiddenLine xmlns:a14="http://schemas.microsoft.com/office/drawing/2010/main" xmlns="" w="9525">
+                  <a14:hiddenLine xmlns="" xmlns:a14="http://schemas.microsoft.com/office/drawing/2010/main" w="9525">
                     <a:solidFill>
                       <a:srgbClr val="000000"/>
                     </a:solidFill>
@@ -11746,7 +11751,7 @@
               </a:ln>
               <a:extLst>
                 <a:ext uri="{91240B29-F687-4f45-9708-019B960494DF}">
-                  <a14:hiddenLine xmlns:a14="http://schemas.microsoft.com/office/drawing/2010/main" xmlns="" w="9525">
+                  <a14:hiddenLine xmlns="" xmlns:a14="http://schemas.microsoft.com/office/drawing/2010/main" w="9525">
                     <a:solidFill>
                       <a:srgbClr val="000000"/>
                     </a:solidFill>
@@ -11836,7 +11841,7 @@
               </a:ln>
               <a:extLst>
                 <a:ext uri="{91240B29-F687-4f45-9708-019B960494DF}">
-                  <a14:hiddenLine xmlns:a14="http://schemas.microsoft.com/office/drawing/2010/main" xmlns="" w="9525">
+                  <a14:hiddenLine xmlns="" xmlns:a14="http://schemas.microsoft.com/office/drawing/2010/main" w="9525">
                     <a:solidFill>
                       <a:srgbClr val="000000"/>
                     </a:solidFill>
@@ -11870,7 +11875,7 @@
               </a:ln>
               <a:extLst>
                 <a:ext uri="{91240B29-F687-4f45-9708-019B960494DF}">
-                  <a14:hiddenLine xmlns:a14="http://schemas.microsoft.com/office/drawing/2010/main" xmlns="" w="9525">
+                  <a14:hiddenLine xmlns="" xmlns:a14="http://schemas.microsoft.com/office/drawing/2010/main" w="9525">
                     <a:solidFill>
                       <a:srgbClr val="000000"/>
                     </a:solidFill>
@@ -12714,7 +12719,12 @@
             <p:ph type="title"/>
           </p:nvPr>
         </p:nvSpPr>
-        <p:spPr/>
+        <p:spPr>
+          <a:xfrm>
+            <a:off x="1141413" y="618518"/>
+            <a:ext cx="9905998" cy="1125441"/>
+          </a:xfrm>
+        </p:spPr>
         <p:txBody>
           <a:bodyPr/>
           <a:lstStyle/>
@@ -12743,10 +12753,58 @@
             <p:ph idx="1"/>
           </p:nvPr>
         </p:nvSpPr>
-        <p:spPr/>
+        <p:spPr>
+          <a:xfrm>
+            <a:off x="1141412" y="1527142"/>
+            <a:ext cx="9905999" cy="4854804"/>
+          </a:xfrm>
+        </p:spPr>
         <p:txBody>
-          <a:bodyPr/>
+          <a:bodyPr>
+            <a:normAutofit/>
+          </a:bodyPr>
           <a:lstStyle/>
+          <a:p>
+            <a:r>
+              <a:rPr lang="en-US" dirty="0"/>
+              <a:t>Many a times, images have large number of pixels which are just duplicates of their neighbors and thus occupy large amount of space.</a:t>
+            </a:r>
+          </a:p>
+          <a:p>
+            <a:r>
+              <a:rPr lang="en-US" dirty="0"/>
+              <a:t>We can reduce the space by compressing image. Also if at any point we need the original image quality we can decompress the image using quadtrees.</a:t>
+            </a:r>
+          </a:p>
+          <a:p>
+            <a:pPr marL="0" indent="0">
+              <a:buNone/>
+            </a:pPr>
+            <a:r>
+              <a:rPr lang="en-US" b="1" dirty="0">
+                <a:effectLst>
+                  <a:outerShdw blurRad="38100" dist="38100" dir="2700000" algn="tl">
+                    <a:srgbClr val="000000">
+                      <a:alpha val="43137"/>
+                    </a:srgbClr>
+                  </a:outerShdw>
+                </a:effectLst>
+              </a:rPr>
+              <a:t>WHY QUADTREES?</a:t>
+            </a:r>
+          </a:p>
+          <a:p>
+            <a:r>
+              <a:rPr lang="en-IN" dirty="0"/>
+              <a:t>Basically quadtrees are used for dividing 2-D spaces into smaller subspaces recursively.</a:t>
+            </a:r>
+          </a:p>
+          <a:p>
+            <a:r>
+              <a:rPr lang="en-IN" dirty="0"/>
+              <a:t>In case if image manipulation, these nodes hold the information about the dominant colour and its sub shades</a:t>
+            </a:r>
+          </a:p>
           <a:p>
             <a:endParaRPr lang="en-IN" dirty="0"/>
           </a:p>
